--- a/pptx/Session11.pptx
+++ b/pptx/Session11.pptx
@@ -9,6 +9,7 @@
     <p:sldId id="257" r:id="rId3"/>
     <p:sldId id="258" r:id="rId4"/>
     <p:sldId id="259" r:id="rId5"/>
+    <p:sldId id="260" r:id="rId6"/>
   </p:sldIdLst>
   <p:sldSz cx="12192000" cy="6858000"/>
   <p:notesSz cx="6858000" cy="9144000"/>
@@ -107,6 +108,11 @@
       </a:defRPr>
     </a:lvl9pPr>
   </p:defaultTextStyle>
+  <p:extLst>
+    <p:ext uri="{EFAFB233-063F-42B5-8137-9DF3F51BA10A}">
+      <p15:sldGuideLst xmlns:p15="http://schemas.microsoft.com/office/powerpoint/2012/main"/>
+    </p:ext>
+  </p:extLst>
 </p:presentation>
 </file>
 
@@ -259,7 +265,7 @@
           <a:p>
             <a:fld id="{48FB8CD1-0E61-4703-934B-14BB18419E72}" type="datetimeFigureOut">
               <a:rPr lang="en-IN" smtClean="0"/>
-              <a:t>22-04-2020</a:t>
+              <a:t>23-04-2020</a:t>
             </a:fld>
             <a:endParaRPr lang="en-IN"/>
           </a:p>
@@ -459,7 +465,7 @@
           <a:p>
             <a:fld id="{48FB8CD1-0E61-4703-934B-14BB18419E72}" type="datetimeFigureOut">
               <a:rPr lang="en-IN" smtClean="0"/>
-              <a:t>22-04-2020</a:t>
+              <a:t>23-04-2020</a:t>
             </a:fld>
             <a:endParaRPr lang="en-IN"/>
           </a:p>
@@ -669,7 +675,7 @@
           <a:p>
             <a:fld id="{48FB8CD1-0E61-4703-934B-14BB18419E72}" type="datetimeFigureOut">
               <a:rPr lang="en-IN" smtClean="0"/>
-              <a:t>22-04-2020</a:t>
+              <a:t>23-04-2020</a:t>
             </a:fld>
             <a:endParaRPr lang="en-IN"/>
           </a:p>
@@ -869,7 +875,7 @@
           <a:p>
             <a:fld id="{48FB8CD1-0E61-4703-934B-14BB18419E72}" type="datetimeFigureOut">
               <a:rPr lang="en-IN" smtClean="0"/>
-              <a:t>22-04-2020</a:t>
+              <a:t>23-04-2020</a:t>
             </a:fld>
             <a:endParaRPr lang="en-IN"/>
           </a:p>
@@ -1145,7 +1151,7 @@
           <a:p>
             <a:fld id="{48FB8CD1-0E61-4703-934B-14BB18419E72}" type="datetimeFigureOut">
               <a:rPr lang="en-IN" smtClean="0"/>
-              <a:t>22-04-2020</a:t>
+              <a:t>23-04-2020</a:t>
             </a:fld>
             <a:endParaRPr lang="en-IN"/>
           </a:p>
@@ -1413,7 +1419,7 @@
           <a:p>
             <a:fld id="{48FB8CD1-0E61-4703-934B-14BB18419E72}" type="datetimeFigureOut">
               <a:rPr lang="en-IN" smtClean="0"/>
-              <a:t>22-04-2020</a:t>
+              <a:t>23-04-2020</a:t>
             </a:fld>
             <a:endParaRPr lang="en-IN"/>
           </a:p>
@@ -1828,7 +1834,7 @@
           <a:p>
             <a:fld id="{48FB8CD1-0E61-4703-934B-14BB18419E72}" type="datetimeFigureOut">
               <a:rPr lang="en-IN" smtClean="0"/>
-              <a:t>22-04-2020</a:t>
+              <a:t>23-04-2020</a:t>
             </a:fld>
             <a:endParaRPr lang="en-IN"/>
           </a:p>
@@ -1970,7 +1976,7 @@
           <a:p>
             <a:fld id="{48FB8CD1-0E61-4703-934B-14BB18419E72}" type="datetimeFigureOut">
               <a:rPr lang="en-IN" smtClean="0"/>
-              <a:t>22-04-2020</a:t>
+              <a:t>23-04-2020</a:t>
             </a:fld>
             <a:endParaRPr lang="en-IN"/>
           </a:p>
@@ -2083,7 +2089,7 @@
           <a:p>
             <a:fld id="{48FB8CD1-0E61-4703-934B-14BB18419E72}" type="datetimeFigureOut">
               <a:rPr lang="en-IN" smtClean="0"/>
-              <a:t>22-04-2020</a:t>
+              <a:t>23-04-2020</a:t>
             </a:fld>
             <a:endParaRPr lang="en-IN"/>
           </a:p>
@@ -2396,7 +2402,7 @@
           <a:p>
             <a:fld id="{48FB8CD1-0E61-4703-934B-14BB18419E72}" type="datetimeFigureOut">
               <a:rPr lang="en-IN" smtClean="0"/>
-              <a:t>22-04-2020</a:t>
+              <a:t>23-04-2020</a:t>
             </a:fld>
             <a:endParaRPr lang="en-IN"/>
           </a:p>
@@ -2685,7 +2691,7 @@
           <a:p>
             <a:fld id="{48FB8CD1-0E61-4703-934B-14BB18419E72}" type="datetimeFigureOut">
               <a:rPr lang="en-IN" smtClean="0"/>
-              <a:t>22-04-2020</a:t>
+              <a:t>23-04-2020</a:t>
             </a:fld>
             <a:endParaRPr lang="en-IN"/>
           </a:p>
@@ -2928,7 +2934,7 @@
           <a:p>
             <a:fld id="{48FB8CD1-0E61-4703-934B-14BB18419E72}" type="datetimeFigureOut">
               <a:rPr lang="en-IN" smtClean="0"/>
-              <a:t>22-04-2020</a:t>
+              <a:t>23-04-2020</a:t>
             </a:fld>
             <a:endParaRPr lang="en-IN"/>
           </a:p>
@@ -5049,6 +5055,130 @@
 </p:sld>
 </file>
 
+<file path=ppt/slides/slide5.xml><?xml version="1.0" encoding="utf-8"?>
+<p:sld xmlns:a="http://schemas.openxmlformats.org/drawingml/2006/main" xmlns:r="http://schemas.openxmlformats.org/officeDocument/2006/relationships" xmlns:p="http://schemas.openxmlformats.org/presentationml/2006/main">
+  <p:cSld>
+    <p:spTree>
+      <p:nvGrpSpPr>
+        <p:cNvPr id="1" name=""/>
+        <p:cNvGrpSpPr/>
+        <p:nvPr/>
+      </p:nvGrpSpPr>
+      <p:grpSpPr>
+        <a:xfrm>
+          <a:off x="0" y="0"/>
+          <a:ext cx="0" cy="0"/>
+          <a:chOff x="0" y="0"/>
+          <a:chExt cx="0" cy="0"/>
+        </a:xfrm>
+      </p:grpSpPr>
+      <p:sp>
+        <p:nvSpPr>
+          <p:cNvPr id="2" name="Title 1">
+            <a:extLst>
+              <a:ext uri="{FF2B5EF4-FFF2-40B4-BE49-F238E27FC236}">
+                <a16:creationId xmlns:a16="http://schemas.microsoft.com/office/drawing/2014/main" id="{08802A67-5B51-4B85-8374-D90378E23C52}"/>
+              </a:ext>
+            </a:extLst>
+          </p:cNvPr>
+          <p:cNvSpPr>
+            <a:spLocks noGrp="1"/>
+          </p:cNvSpPr>
+          <p:nvPr>
+            <p:ph type="title"/>
+          </p:nvPr>
+        </p:nvSpPr>
+        <p:spPr/>
+        <p:txBody>
+          <a:bodyPr/>
+          <a:lstStyle/>
+          <a:p>
+            <a:r>
+              <a:rPr lang="en-IN" dirty="0"/>
+              <a:t>String Assignments</a:t>
+            </a:r>
+          </a:p>
+        </p:txBody>
+      </p:sp>
+      <p:sp>
+        <p:nvSpPr>
+          <p:cNvPr id="3" name="Content Placeholder 2">
+            <a:extLst>
+              <a:ext uri="{FF2B5EF4-FFF2-40B4-BE49-F238E27FC236}">
+                <a16:creationId xmlns:a16="http://schemas.microsoft.com/office/drawing/2014/main" id="{A2BEA171-DC52-40FB-8A30-A7FB6DCE3952}"/>
+              </a:ext>
+            </a:extLst>
+          </p:cNvPr>
+          <p:cNvSpPr>
+            <a:spLocks noGrp="1"/>
+          </p:cNvSpPr>
+          <p:nvPr>
+            <p:ph idx="1"/>
+          </p:nvPr>
+        </p:nvSpPr>
+        <p:spPr/>
+        <p:txBody>
+          <a:bodyPr/>
+          <a:lstStyle/>
+          <a:p>
+            <a:r>
+              <a:rPr lang="en-IN" dirty="0"/>
+              <a:t>Reverse a String using reversal logic</a:t>
+            </a:r>
+          </a:p>
+          <a:p>
+            <a:r>
+              <a:rPr lang="en-IN" dirty="0"/>
+              <a:t>Find how many words and letters in a string.</a:t>
+            </a:r>
+          </a:p>
+          <a:p>
+            <a:r>
+              <a:rPr lang="en-IN" dirty="0"/>
+              <a:t>Find how many specific chars in string and occurrences of each char</a:t>
+            </a:r>
+          </a:p>
+          <a:p>
+            <a:r>
+              <a:rPr lang="en-IN" dirty="0"/>
+              <a:t>Modify a sentence in such a way that first letter of every word should be capital</a:t>
+            </a:r>
+          </a:p>
+          <a:p>
+            <a:r>
+              <a:rPr lang="en-IN" dirty="0"/>
+              <a:t>Create a random String of 5 chars (use google to solve this)</a:t>
+            </a:r>
+          </a:p>
+          <a:p>
+            <a:r>
+              <a:rPr lang="en-IN" dirty="0"/>
+              <a:t>Create Date as String  (use google to </a:t>
+            </a:r>
+            <a:r>
+              <a:rPr lang="en-IN"/>
+              <a:t>solve this)</a:t>
+            </a:r>
+            <a:endParaRPr lang="en-IN" dirty="0"/>
+          </a:p>
+          <a:p>
+            <a:endParaRPr lang="en-IN" dirty="0"/>
+          </a:p>
+        </p:txBody>
+      </p:sp>
+    </p:spTree>
+    <p:extLst>
+      <p:ext uri="{BB962C8B-B14F-4D97-AF65-F5344CB8AC3E}">
+        <p14:creationId xmlns:p14="http://schemas.microsoft.com/office/powerpoint/2010/main" val="164587188"/>
+      </p:ext>
+    </p:extLst>
+  </p:cSld>
+  <p:clrMapOvr>
+    <a:masterClrMapping/>
+  </p:clrMapOvr>
+</p:sld>
+</file>
+
 <file path=ppt/theme/theme1.xml><?xml version="1.0" encoding="utf-8"?>
 <a:theme xmlns:a="http://schemas.openxmlformats.org/drawingml/2006/main" name="Office Theme">
   <a:themeElements>

--- a/pptx/Session11.pptx
+++ b/pptx/Session11.pptx
@@ -8,8 +8,9 @@
     <p:sldId id="256" r:id="rId2"/>
     <p:sldId id="257" r:id="rId3"/>
     <p:sldId id="258" r:id="rId4"/>
-    <p:sldId id="259" r:id="rId5"/>
-    <p:sldId id="260" r:id="rId6"/>
+    <p:sldId id="261" r:id="rId5"/>
+    <p:sldId id="259" r:id="rId6"/>
+    <p:sldId id="260" r:id="rId7"/>
   </p:sldIdLst>
   <p:sldSz cx="12192000" cy="6858000"/>
   <p:notesSz cx="6858000" cy="9144000"/>
@@ -265,7 +266,7 @@
           <a:p>
             <a:fld id="{48FB8CD1-0E61-4703-934B-14BB18419E72}" type="datetimeFigureOut">
               <a:rPr lang="en-IN" smtClean="0"/>
-              <a:t>23-04-2020</a:t>
+              <a:t>24-04-2020</a:t>
             </a:fld>
             <a:endParaRPr lang="en-IN"/>
           </a:p>
@@ -465,7 +466,7 @@
           <a:p>
             <a:fld id="{48FB8CD1-0E61-4703-934B-14BB18419E72}" type="datetimeFigureOut">
               <a:rPr lang="en-IN" smtClean="0"/>
-              <a:t>23-04-2020</a:t>
+              <a:t>24-04-2020</a:t>
             </a:fld>
             <a:endParaRPr lang="en-IN"/>
           </a:p>
@@ -675,7 +676,7 @@
           <a:p>
             <a:fld id="{48FB8CD1-0E61-4703-934B-14BB18419E72}" type="datetimeFigureOut">
               <a:rPr lang="en-IN" smtClean="0"/>
-              <a:t>23-04-2020</a:t>
+              <a:t>24-04-2020</a:t>
             </a:fld>
             <a:endParaRPr lang="en-IN"/>
           </a:p>
@@ -875,7 +876,7 @@
           <a:p>
             <a:fld id="{48FB8CD1-0E61-4703-934B-14BB18419E72}" type="datetimeFigureOut">
               <a:rPr lang="en-IN" smtClean="0"/>
-              <a:t>23-04-2020</a:t>
+              <a:t>24-04-2020</a:t>
             </a:fld>
             <a:endParaRPr lang="en-IN"/>
           </a:p>
@@ -1151,7 +1152,7 @@
           <a:p>
             <a:fld id="{48FB8CD1-0E61-4703-934B-14BB18419E72}" type="datetimeFigureOut">
               <a:rPr lang="en-IN" smtClean="0"/>
-              <a:t>23-04-2020</a:t>
+              <a:t>24-04-2020</a:t>
             </a:fld>
             <a:endParaRPr lang="en-IN"/>
           </a:p>
@@ -1419,7 +1420,7 @@
           <a:p>
             <a:fld id="{48FB8CD1-0E61-4703-934B-14BB18419E72}" type="datetimeFigureOut">
               <a:rPr lang="en-IN" smtClean="0"/>
-              <a:t>23-04-2020</a:t>
+              <a:t>24-04-2020</a:t>
             </a:fld>
             <a:endParaRPr lang="en-IN"/>
           </a:p>
@@ -1834,7 +1835,7 @@
           <a:p>
             <a:fld id="{48FB8CD1-0E61-4703-934B-14BB18419E72}" type="datetimeFigureOut">
               <a:rPr lang="en-IN" smtClean="0"/>
-              <a:t>23-04-2020</a:t>
+              <a:t>24-04-2020</a:t>
             </a:fld>
             <a:endParaRPr lang="en-IN"/>
           </a:p>
@@ -1976,7 +1977,7 @@
           <a:p>
             <a:fld id="{48FB8CD1-0E61-4703-934B-14BB18419E72}" type="datetimeFigureOut">
               <a:rPr lang="en-IN" smtClean="0"/>
-              <a:t>23-04-2020</a:t>
+              <a:t>24-04-2020</a:t>
             </a:fld>
             <a:endParaRPr lang="en-IN"/>
           </a:p>
@@ -2089,7 +2090,7 @@
           <a:p>
             <a:fld id="{48FB8CD1-0E61-4703-934B-14BB18419E72}" type="datetimeFigureOut">
               <a:rPr lang="en-IN" smtClean="0"/>
-              <a:t>23-04-2020</a:t>
+              <a:t>24-04-2020</a:t>
             </a:fld>
             <a:endParaRPr lang="en-IN"/>
           </a:p>
@@ -2402,7 +2403,7 @@
           <a:p>
             <a:fld id="{48FB8CD1-0E61-4703-934B-14BB18419E72}" type="datetimeFigureOut">
               <a:rPr lang="en-IN" smtClean="0"/>
-              <a:t>23-04-2020</a:t>
+              <a:t>24-04-2020</a:t>
             </a:fld>
             <a:endParaRPr lang="en-IN"/>
           </a:p>
@@ -2691,7 +2692,7 @@
           <a:p>
             <a:fld id="{48FB8CD1-0E61-4703-934B-14BB18419E72}" type="datetimeFigureOut">
               <a:rPr lang="en-IN" smtClean="0"/>
-              <a:t>23-04-2020</a:t>
+              <a:t>24-04-2020</a:t>
             </a:fld>
             <a:endParaRPr lang="en-IN"/>
           </a:p>
@@ -2934,7 +2935,7 @@
           <a:p>
             <a:fld id="{48FB8CD1-0E61-4703-934B-14BB18419E72}" type="datetimeFigureOut">
               <a:rPr lang="en-IN" smtClean="0"/>
-              <a:t>23-04-2020</a:t>
+              <a:t>24-04-2020</a:t>
             </a:fld>
             <a:endParaRPr lang="en-IN"/>
           </a:p>
@@ -4907,7 +4908,7 @@
           <p:cNvPr id="2" name="Title 1">
             <a:extLst>
               <a:ext uri="{FF2B5EF4-FFF2-40B4-BE49-F238E27FC236}">
-                <a16:creationId xmlns:a16="http://schemas.microsoft.com/office/drawing/2014/main" id="{A6F2D15E-C592-4991-89D5-5D07DA3EB929}"/>
+                <a16:creationId xmlns:a16="http://schemas.microsoft.com/office/drawing/2014/main" id="{AFA9666E-7644-4EF4-B926-57C9B8F34389}"/>
               </a:ext>
             </a:extLst>
           </p:cNvPr>
@@ -4925,127 +4926,59 @@
           <a:p>
             <a:r>
               <a:rPr lang="en-IN" dirty="0"/>
-              <a:t>CI –CD </a:t>
-            </a:r>
-          </a:p>
-        </p:txBody>
-      </p:sp>
-      <p:sp>
-        <p:nvSpPr>
-          <p:cNvPr id="4" name="TextBox 3">
-            <a:extLst>
-              <a:ext uri="{FF2B5EF4-FFF2-40B4-BE49-F238E27FC236}">
-                <a16:creationId xmlns:a16="http://schemas.microsoft.com/office/drawing/2014/main" id="{1B7F3832-9AD7-4D0F-AAA3-C015565C6D3A}"/>
-              </a:ext>
-            </a:extLst>
-          </p:cNvPr>
-          <p:cNvSpPr txBox="1"/>
-          <p:nvPr/>
-        </p:nvSpPr>
-        <p:spPr>
-          <a:xfrm>
-            <a:off x="838200" y="4340325"/>
-            <a:ext cx="6181859" cy="1200329"/>
-          </a:xfrm>
-          <a:prstGeom prst="rect">
-            <a:avLst/>
-          </a:prstGeom>
-          <a:noFill/>
-        </p:spPr>
-        <p:txBody>
-          <a:bodyPr wrap="square" rtlCol="0">
-            <a:spAutoFit/>
-          </a:bodyPr>
-          <a:lstStyle/>
-          <a:p>
+              <a:t>String is immutable</a:t>
+            </a:r>
+          </a:p>
+        </p:txBody>
+      </p:sp>
+      <p:sp>
+        <p:nvSpPr>
+          <p:cNvPr id="3" name="Content Placeholder 2">
+            <a:extLst>
+              <a:ext uri="{FF2B5EF4-FFF2-40B4-BE49-F238E27FC236}">
+                <a16:creationId xmlns:a16="http://schemas.microsoft.com/office/drawing/2014/main" id="{C88571F8-B6AC-4D63-AA8F-80CE5B200565}"/>
+              </a:ext>
+            </a:extLst>
+          </p:cNvPr>
+          <p:cNvSpPr>
+            <a:spLocks noGrp="1"/>
+          </p:cNvSpPr>
+          <p:nvPr>
+            <p:ph idx="1"/>
+          </p:nvPr>
+        </p:nvSpPr>
+        <p:spPr/>
+        <p:txBody>
+          <a:bodyPr/>
+          <a:lstStyle/>
+          <a:p>
+            <a:r>
+              <a:rPr lang="en-IN" dirty="0" err="1"/>
+              <a:t>StringBuffer</a:t>
+            </a:r>
             <a:r>
               <a:rPr lang="en-IN" dirty="0"/>
-              <a:t>Module Approach </a:t>
+              <a:t> – mutable  Synchronized</a:t>
             </a:r>
           </a:p>
           <a:p>
             <a:r>
               <a:rPr lang="en-IN" dirty="0"/>
-              <a:t>Dev , Test, Operation</a:t>
-            </a:r>
-          </a:p>
-          <a:p>
-            <a:r>
-              <a:rPr lang="en-IN" dirty="0"/>
-              <a:t>Agile – Fast Development = (</a:t>
-            </a:r>
-            <a:r>
-              <a:rPr lang="en-IN" dirty="0" err="1"/>
-              <a:t>Dev+Test</a:t>
-            </a:r>
-            <a:r>
-              <a:rPr lang="en-IN" dirty="0"/>
-              <a:t> = agile) + Operation</a:t>
-            </a:r>
-          </a:p>
-          <a:p>
-            <a:r>
-              <a:rPr lang="en-IN" dirty="0" err="1"/>
-              <a:t>Devops</a:t>
-            </a:r>
-            <a:r>
-              <a:rPr lang="en-IN" dirty="0"/>
-              <a:t>   </a:t>
-            </a:r>
-          </a:p>
-        </p:txBody>
-      </p:sp>
-      <p:pic>
-        <p:nvPicPr>
-          <p:cNvPr id="1026" name="Picture 2" descr="DevOps Testing Tutorial: How DevOps will Impact QA Testing?">
-            <a:extLst>
-              <a:ext uri="{FF2B5EF4-FFF2-40B4-BE49-F238E27FC236}">
-                <a16:creationId xmlns:a16="http://schemas.microsoft.com/office/drawing/2014/main" id="{E69F748D-C90A-4D7B-9D80-AE948DDA5FB7}"/>
-              </a:ext>
-            </a:extLst>
-          </p:cNvPr>
-          <p:cNvPicPr>
-            <a:picLocks noChangeAspect="1" noChangeArrowheads="1"/>
-          </p:cNvPicPr>
-          <p:nvPr/>
-        </p:nvPicPr>
-        <p:blipFill>
-          <a:blip r:embed="rId2">
-            <a:extLst>
-              <a:ext uri="{28A0092B-C50C-407E-A947-70E740481C1C}">
-                <a14:useLocalDpi xmlns:a14="http://schemas.microsoft.com/office/drawing/2010/main" val="0"/>
-              </a:ext>
-            </a:extLst>
-          </a:blip>
-          <a:srcRect/>
-          <a:stretch>
-            <a:fillRect/>
-          </a:stretch>
-        </p:blipFill>
-        <p:spPr bwMode="auto">
-          <a:xfrm>
-            <a:off x="5374784" y="196403"/>
-            <a:ext cx="6096000" cy="3429000"/>
-          </a:xfrm>
-          <a:prstGeom prst="rect">
-            <a:avLst/>
-          </a:prstGeom>
-          <a:noFill/>
-          <a:extLst>
-            <a:ext uri="{909E8E84-426E-40DD-AFC4-6F175D3DCCD1}">
-              <a14:hiddenFill xmlns:a14="http://schemas.microsoft.com/office/drawing/2010/main">
-                <a:solidFill>
-                  <a:srgbClr val="FFFFFF"/>
-                </a:solidFill>
-              </a14:hiddenFill>
-            </a:ext>
-          </a:extLst>
-        </p:spPr>
-      </p:pic>
+              <a:t>StringBuilder – mutable not synchronized</a:t>
+            </a:r>
+          </a:p>
+          <a:p>
+            <a:pPr marL="0" indent="0">
+              <a:buNone/>
+            </a:pPr>
+            <a:endParaRPr lang="en-IN" dirty="0"/>
+          </a:p>
+        </p:txBody>
+      </p:sp>
     </p:spTree>
     <p:extLst>
       <p:ext uri="{BB962C8B-B14F-4D97-AF65-F5344CB8AC3E}">
-        <p14:creationId xmlns:p14="http://schemas.microsoft.com/office/powerpoint/2010/main" val="3516782196"/>
+        <p14:creationId xmlns:p14="http://schemas.microsoft.com/office/powerpoint/2010/main" val="3299540775"/>
       </p:ext>
     </p:extLst>
   </p:cSld>
@@ -5077,6 +5010,176 @@
           <p:cNvPr id="2" name="Title 1">
             <a:extLst>
               <a:ext uri="{FF2B5EF4-FFF2-40B4-BE49-F238E27FC236}">
+                <a16:creationId xmlns:a16="http://schemas.microsoft.com/office/drawing/2014/main" id="{A6F2D15E-C592-4991-89D5-5D07DA3EB929}"/>
+              </a:ext>
+            </a:extLst>
+          </p:cNvPr>
+          <p:cNvSpPr>
+            <a:spLocks noGrp="1"/>
+          </p:cNvSpPr>
+          <p:nvPr>
+            <p:ph type="title"/>
+          </p:nvPr>
+        </p:nvSpPr>
+        <p:spPr/>
+        <p:txBody>
+          <a:bodyPr/>
+          <a:lstStyle/>
+          <a:p>
+            <a:r>
+              <a:rPr lang="en-IN" dirty="0"/>
+              <a:t>CI –CD </a:t>
+            </a:r>
+          </a:p>
+        </p:txBody>
+      </p:sp>
+      <p:sp>
+        <p:nvSpPr>
+          <p:cNvPr id="4" name="TextBox 3">
+            <a:extLst>
+              <a:ext uri="{FF2B5EF4-FFF2-40B4-BE49-F238E27FC236}">
+                <a16:creationId xmlns:a16="http://schemas.microsoft.com/office/drawing/2014/main" id="{1B7F3832-9AD7-4D0F-AAA3-C015565C6D3A}"/>
+              </a:ext>
+            </a:extLst>
+          </p:cNvPr>
+          <p:cNvSpPr txBox="1"/>
+          <p:nvPr/>
+        </p:nvSpPr>
+        <p:spPr>
+          <a:xfrm>
+            <a:off x="838200" y="4340325"/>
+            <a:ext cx="6181859" cy="1200329"/>
+          </a:xfrm>
+          <a:prstGeom prst="rect">
+            <a:avLst/>
+          </a:prstGeom>
+          <a:noFill/>
+        </p:spPr>
+        <p:txBody>
+          <a:bodyPr wrap="square" rtlCol="0">
+            <a:spAutoFit/>
+          </a:bodyPr>
+          <a:lstStyle/>
+          <a:p>
+            <a:r>
+              <a:rPr lang="en-IN" dirty="0"/>
+              <a:t>Module Approach </a:t>
+            </a:r>
+          </a:p>
+          <a:p>
+            <a:r>
+              <a:rPr lang="en-IN" dirty="0"/>
+              <a:t>Dev , Test, Operation</a:t>
+            </a:r>
+          </a:p>
+          <a:p>
+            <a:r>
+              <a:rPr lang="en-IN" dirty="0"/>
+              <a:t>Agile – Fast Development = (</a:t>
+            </a:r>
+            <a:r>
+              <a:rPr lang="en-IN" dirty="0" err="1"/>
+              <a:t>Dev+Test</a:t>
+            </a:r>
+            <a:r>
+              <a:rPr lang="en-IN" dirty="0"/>
+              <a:t> = agile) + Operation</a:t>
+            </a:r>
+          </a:p>
+          <a:p>
+            <a:r>
+              <a:rPr lang="en-IN" dirty="0" err="1"/>
+              <a:t>Devops</a:t>
+            </a:r>
+            <a:r>
+              <a:rPr lang="en-IN" dirty="0"/>
+              <a:t>   </a:t>
+            </a:r>
+          </a:p>
+        </p:txBody>
+      </p:sp>
+      <p:pic>
+        <p:nvPicPr>
+          <p:cNvPr id="1026" name="Picture 2" descr="DevOps Testing Tutorial: How DevOps will Impact QA Testing?">
+            <a:extLst>
+              <a:ext uri="{FF2B5EF4-FFF2-40B4-BE49-F238E27FC236}">
+                <a16:creationId xmlns:a16="http://schemas.microsoft.com/office/drawing/2014/main" id="{E69F748D-C90A-4D7B-9D80-AE948DDA5FB7}"/>
+              </a:ext>
+            </a:extLst>
+          </p:cNvPr>
+          <p:cNvPicPr>
+            <a:picLocks noChangeAspect="1" noChangeArrowheads="1"/>
+          </p:cNvPicPr>
+          <p:nvPr/>
+        </p:nvPicPr>
+        <p:blipFill>
+          <a:blip r:embed="rId2">
+            <a:extLst>
+              <a:ext uri="{28A0092B-C50C-407E-A947-70E740481C1C}">
+                <a14:useLocalDpi xmlns:a14="http://schemas.microsoft.com/office/drawing/2010/main" val="0"/>
+              </a:ext>
+            </a:extLst>
+          </a:blip>
+          <a:srcRect/>
+          <a:stretch>
+            <a:fillRect/>
+          </a:stretch>
+        </p:blipFill>
+        <p:spPr bwMode="auto">
+          <a:xfrm>
+            <a:off x="5374784" y="196403"/>
+            <a:ext cx="6096000" cy="3429000"/>
+          </a:xfrm>
+          <a:prstGeom prst="rect">
+            <a:avLst/>
+          </a:prstGeom>
+          <a:noFill/>
+          <a:extLst>
+            <a:ext uri="{909E8E84-426E-40DD-AFC4-6F175D3DCCD1}">
+              <a14:hiddenFill xmlns:a14="http://schemas.microsoft.com/office/drawing/2010/main">
+                <a:solidFill>
+                  <a:srgbClr val="FFFFFF"/>
+                </a:solidFill>
+              </a14:hiddenFill>
+            </a:ext>
+          </a:extLst>
+        </p:spPr>
+      </p:pic>
+    </p:spTree>
+    <p:extLst>
+      <p:ext uri="{BB962C8B-B14F-4D97-AF65-F5344CB8AC3E}">
+        <p14:creationId xmlns:p14="http://schemas.microsoft.com/office/powerpoint/2010/main" val="3516782196"/>
+      </p:ext>
+    </p:extLst>
+  </p:cSld>
+  <p:clrMapOvr>
+    <a:masterClrMapping/>
+  </p:clrMapOvr>
+</p:sld>
+</file>
+
+<file path=ppt/slides/slide6.xml><?xml version="1.0" encoding="utf-8"?>
+<p:sld xmlns:a="http://schemas.openxmlformats.org/drawingml/2006/main" xmlns:r="http://schemas.openxmlformats.org/officeDocument/2006/relationships" xmlns:p="http://schemas.openxmlformats.org/presentationml/2006/main">
+  <p:cSld>
+    <p:spTree>
+      <p:nvGrpSpPr>
+        <p:cNvPr id="1" name=""/>
+        <p:cNvGrpSpPr/>
+        <p:nvPr/>
+      </p:nvGrpSpPr>
+      <p:grpSpPr>
+        <a:xfrm>
+          <a:off x="0" y="0"/>
+          <a:ext cx="0" cy="0"/>
+          <a:chOff x="0" y="0"/>
+          <a:chExt cx="0" cy="0"/>
+        </a:xfrm>
+      </p:grpSpPr>
+      <p:sp>
+        <p:nvSpPr>
+          <p:cNvPr id="2" name="Title 1">
+            <a:extLst>
+              <a:ext uri="{FF2B5EF4-FFF2-40B4-BE49-F238E27FC236}">
                 <a16:creationId xmlns:a16="http://schemas.microsoft.com/office/drawing/2014/main" id="{08802A67-5B51-4B85-8374-D90378E23C52}"/>
               </a:ext>
             </a:extLst>
@@ -5153,13 +5256,22 @@
           <a:p>
             <a:r>
               <a:rPr lang="en-IN" dirty="0"/>
-              <a:t>Create Date as String  (use google to </a:t>
-            </a:r>
-            <a:r>
-              <a:rPr lang="en-IN"/>
-              <a:t>solve this)</a:t>
-            </a:r>
-            <a:endParaRPr lang="en-IN" dirty="0"/>
+              <a:t>Create Date as String  (use google to solve this)</a:t>
+            </a:r>
+          </a:p>
+          <a:p>
+            <a:r>
+              <a:rPr lang="en-IN" dirty="0"/>
+              <a:t>Difference  between </a:t>
+            </a:r>
+            <a:r>
+              <a:rPr lang="en-IN" dirty="0" err="1"/>
+              <a:t>StringBuffer</a:t>
+            </a:r>
+            <a:r>
+              <a:rPr lang="en-IN" dirty="0"/>
+              <a:t> and StringBuilder</a:t>
+            </a:r>
           </a:p>
           <a:p>
             <a:endParaRPr lang="en-IN" dirty="0"/>
